--- a/demos/Sketchpad.pptx
+++ b/demos/Sketchpad.pptx
@@ -5950,7 +5950,7 @@
         </p:spPr>
         <p:txBody>
           <a:bodyPr anchor="t">
-            <a:normAutofit/>
+            <a:normAutofit fontScale="70000" lnSpcReduction="20000"/>
           </a:bodyPr>
           <a:lstStyle/>
           <a:p>
@@ -5967,6 +5967,34 @@
               </a:rPr>
               <a:t>BY ANURAG</a:t>
             </a:r>
+          </a:p>
+          <a:p>
+            <a:pPr>
+              <a:lnSpc>
+                <a:spcPct val="100000"/>
+              </a:lnSpc>
+            </a:pPr>
+            <a:r>
+              <a:rPr lang="en-US" sz="3200" b="1" dirty="0">
+                <a:solidFill>
+                  <a:schemeClr val="bg1"/>
+                </a:solidFill>
+              </a:rPr>
+              <a:t>To Los </a:t>
+            </a:r>
+            <a:r>
+              <a:rPr lang="en-US" sz="3200" b="1">
+                <a:solidFill>
+                  <a:schemeClr val="bg1"/>
+                </a:solidFill>
+              </a:rPr>
+              <a:t>Altos Hackathon</a:t>
+            </a:r>
+            <a:endParaRPr lang="en-US" sz="3200" b="1" dirty="0">
+              <a:solidFill>
+                <a:schemeClr val="bg1"/>
+              </a:solidFill>
+            </a:endParaRPr>
           </a:p>
         </p:txBody>
       </p:sp>
@@ -7505,21 +7533,21 @@
 </file>
 
 <file path=customXml/item1.xml><?xml version="1.0" encoding="utf-8"?>
+<?mso-contentType ?>
+<FormTemplates xmlns="http://schemas.microsoft.com/sharepoint/v3/contenttype/forms">
+  <Display>DocumentLibraryForm</Display>
+  <Edit>DocumentLibraryForm</Edit>
+  <New>DocumentLibraryForm</New>
+</FormTemplates>
+</file>
+
+<file path=customXml/item2.xml><?xml version="1.0" encoding="utf-8"?>
 <p:properties xmlns:p="http://schemas.microsoft.com/office/2006/metadata/properties" xmlns:xsi="http://www.w3.org/2001/XMLSchema-instance" xmlns:pc="http://schemas.microsoft.com/office/infopath/2007/PartnerControls">
   <documentManagement>
     <Status xmlns="71af3243-3dd4-4a8d-8c0d-dd76da1f02a5">Not started</Status>
     <MediaServiceKeyPoints xmlns="71af3243-3dd4-4a8d-8c0d-dd76da1f02a5" xsi:nil="true"/>
   </documentManagement>
 </p:properties>
-</file>
-
-<file path=customXml/item2.xml><?xml version="1.0" encoding="utf-8"?>
-<?mso-contentType ?>
-<FormTemplates xmlns="http://schemas.microsoft.com/sharepoint/v3/contenttype/forms">
-  <Display>DocumentLibraryForm</Display>
-  <Edit>DocumentLibraryForm</Edit>
-  <New>DocumentLibraryForm</New>
-</FormTemplates>
 </file>
 
 <file path=customXml/item3.xml><?xml version="1.0" encoding="utf-8"?>
@@ -7744,19 +7772,19 @@
 </file>
 
 <file path=customXml/itemProps1.xml><?xml version="1.0" encoding="utf-8"?>
+<ds:datastoreItem xmlns:ds="http://schemas.openxmlformats.org/officeDocument/2006/customXml" ds:itemID="{AA3F7EDC-E5B4-4BBC-9D2A-CBE6D46C37AD}">
+  <ds:schemaRefs>
+    <ds:schemaRef ds:uri="http://schemas.microsoft.com/sharepoint/v3/contenttype/forms"/>
+  </ds:schemaRefs>
+</ds:datastoreItem>
+</file>
+
+<file path=customXml/itemProps2.xml><?xml version="1.0" encoding="utf-8"?>
 <ds:datastoreItem xmlns:ds="http://schemas.openxmlformats.org/officeDocument/2006/customXml" ds:itemID="{A03EEFF0-FB57-4CB4-8BFC-DF397689E2ED}">
   <ds:schemaRefs>
     <ds:schemaRef ds:uri="http://schemas.microsoft.com/office/2006/metadata/properties"/>
     <ds:schemaRef ds:uri="http://schemas.microsoft.com/office/infopath/2007/PartnerControls"/>
     <ds:schemaRef ds:uri="71af3243-3dd4-4a8d-8c0d-dd76da1f02a5"/>
-  </ds:schemaRefs>
-</ds:datastoreItem>
-</file>
-
-<file path=customXml/itemProps2.xml><?xml version="1.0" encoding="utf-8"?>
-<ds:datastoreItem xmlns:ds="http://schemas.openxmlformats.org/officeDocument/2006/customXml" ds:itemID="{AA3F7EDC-E5B4-4BBC-9D2A-CBE6D46C37AD}">
-  <ds:schemaRefs>
-    <ds:schemaRef ds:uri="http://schemas.microsoft.com/sharepoint/v3/contenttype/forms"/>
   </ds:schemaRefs>
 </ds:datastoreItem>
 </file>
